--- a/Optimization.pptx
+++ b/Optimization.pptx
@@ -270,7 +270,7 @@
           <a:p>
             <a:fld id="{69FD129B-1D3E-42DC-A7A6-251565F88C36}" type="datetimeFigureOut">
               <a:rPr lang="en-US" smtClean="0"/>
-              <a:t>6/1/2020</a:t>
+              <a:t>6/9/2020</a:t>
             </a:fld>
             <a:endParaRPr lang="en-US"/>
           </a:p>
@@ -470,7 +470,7 @@
           <a:p>
             <a:fld id="{69FD129B-1D3E-42DC-A7A6-251565F88C36}" type="datetimeFigureOut">
               <a:rPr lang="en-US" smtClean="0"/>
-              <a:t>6/1/2020</a:t>
+              <a:t>6/9/2020</a:t>
             </a:fld>
             <a:endParaRPr lang="en-US"/>
           </a:p>
@@ -680,7 +680,7 @@
           <a:p>
             <a:fld id="{69FD129B-1D3E-42DC-A7A6-251565F88C36}" type="datetimeFigureOut">
               <a:rPr lang="en-US" smtClean="0"/>
-              <a:t>6/1/2020</a:t>
+              <a:t>6/9/2020</a:t>
             </a:fld>
             <a:endParaRPr lang="en-US"/>
           </a:p>
@@ -880,7 +880,7 @@
           <a:p>
             <a:fld id="{69FD129B-1D3E-42DC-A7A6-251565F88C36}" type="datetimeFigureOut">
               <a:rPr lang="en-US" smtClean="0"/>
-              <a:t>6/1/2020</a:t>
+              <a:t>6/9/2020</a:t>
             </a:fld>
             <a:endParaRPr lang="en-US"/>
           </a:p>
@@ -1156,7 +1156,7 @@
           <a:p>
             <a:fld id="{69FD129B-1D3E-42DC-A7A6-251565F88C36}" type="datetimeFigureOut">
               <a:rPr lang="en-US" smtClean="0"/>
-              <a:t>6/1/2020</a:t>
+              <a:t>6/9/2020</a:t>
             </a:fld>
             <a:endParaRPr lang="en-US"/>
           </a:p>
@@ -1424,7 +1424,7 @@
           <a:p>
             <a:fld id="{69FD129B-1D3E-42DC-A7A6-251565F88C36}" type="datetimeFigureOut">
               <a:rPr lang="en-US" smtClean="0"/>
-              <a:t>6/1/2020</a:t>
+              <a:t>6/9/2020</a:t>
             </a:fld>
             <a:endParaRPr lang="en-US"/>
           </a:p>
@@ -1839,7 +1839,7 @@
           <a:p>
             <a:fld id="{69FD129B-1D3E-42DC-A7A6-251565F88C36}" type="datetimeFigureOut">
               <a:rPr lang="en-US" smtClean="0"/>
-              <a:t>6/1/2020</a:t>
+              <a:t>6/9/2020</a:t>
             </a:fld>
             <a:endParaRPr lang="en-US"/>
           </a:p>
@@ -1981,7 +1981,7 @@
           <a:p>
             <a:fld id="{69FD129B-1D3E-42DC-A7A6-251565F88C36}" type="datetimeFigureOut">
               <a:rPr lang="en-US" smtClean="0"/>
-              <a:t>6/1/2020</a:t>
+              <a:t>6/9/2020</a:t>
             </a:fld>
             <a:endParaRPr lang="en-US"/>
           </a:p>
@@ -2094,7 +2094,7 @@
           <a:p>
             <a:fld id="{69FD129B-1D3E-42DC-A7A6-251565F88C36}" type="datetimeFigureOut">
               <a:rPr lang="en-US" smtClean="0"/>
-              <a:t>6/1/2020</a:t>
+              <a:t>6/9/2020</a:t>
             </a:fld>
             <a:endParaRPr lang="en-US"/>
           </a:p>
@@ -2407,7 +2407,7 @@
           <a:p>
             <a:fld id="{69FD129B-1D3E-42DC-A7A6-251565F88C36}" type="datetimeFigureOut">
               <a:rPr lang="en-US" smtClean="0"/>
-              <a:t>6/1/2020</a:t>
+              <a:t>6/9/2020</a:t>
             </a:fld>
             <a:endParaRPr lang="en-US"/>
           </a:p>
@@ -2696,7 +2696,7 @@
           <a:p>
             <a:fld id="{69FD129B-1D3E-42DC-A7A6-251565F88C36}" type="datetimeFigureOut">
               <a:rPr lang="en-US" smtClean="0"/>
-              <a:t>6/1/2020</a:t>
+              <a:t>6/9/2020</a:t>
             </a:fld>
             <a:endParaRPr lang="en-US"/>
           </a:p>
@@ -2942,7 +2942,7 @@
           <a:p>
             <a:fld id="{69FD129B-1D3E-42DC-A7A6-251565F88C36}" type="datetimeFigureOut">
               <a:rPr lang="en-US" smtClean="0"/>
-              <a:t>6/1/2020</a:t>
+              <a:t>6/9/2020</a:t>
             </a:fld>
             <a:endParaRPr lang="en-US"/>
           </a:p>
@@ -3805,7 +3805,7 @@
                   <a:schemeClr val="tx2"/>
                 </a:solidFill>
               </a:rPr>
-              <a:t>Phạm</a:t>
+              <a:t>Lã</a:t>
             </a:r>
             <a:r>
               <a:rPr lang="en-US" sz="1800" dirty="0">
@@ -4224,32 +4224,8 @@
           <a:lstStyle/>
           <a:p>
             <a:r>
-              <a:rPr lang="en-US" dirty="0" err="1"/>
-              <a:t>Tài</a:t>
-            </a:r>
-            <a:r>
-              <a:rPr lang="en-US" dirty="0"/>
-              <a:t> </a:t>
-            </a:r>
-            <a:r>
-              <a:rPr lang="en-US" dirty="0" err="1"/>
-              <a:t>liệu</a:t>
-            </a:r>
-            <a:r>
-              <a:rPr lang="en-US" dirty="0"/>
-              <a:t> </a:t>
-            </a:r>
-            <a:r>
-              <a:rPr lang="en-US" dirty="0" err="1"/>
-              <a:t>tham</a:t>
-            </a:r>
-            <a:r>
-              <a:rPr lang="en-US" dirty="0"/>
-              <a:t> </a:t>
-            </a:r>
-            <a:r>
-              <a:rPr lang="en-US" dirty="0" err="1"/>
-              <a:t>khảo</a:t>
+              <a:rPr lang="en-US"/>
+              <a:t>References</a:t>
             </a:r>
             <a:endParaRPr lang="en-US" dirty="0"/>
           </a:p>
@@ -4669,8 +4645,8 @@
           </a:p>
         </p:txBody>
       </p:sp>
-      <mc:AlternateContent xmlns:mc="http://schemas.openxmlformats.org/markup-compatibility/2006">
-        <mc:Choice xmlns:a14="http://schemas.microsoft.com/office/drawing/2010/main" Requires="a14">
+      <mc:AlternateContent xmlns:mc="http://schemas.openxmlformats.org/markup-compatibility/2006" xmlns:a14="http://schemas.microsoft.com/office/drawing/2010/main">
+        <mc:Choice Requires="a14">
           <p:sp>
             <p:nvSpPr>
               <p:cNvPr id="3" name="Chỗ dành sẵn cho Nội dung 2">
@@ -5700,7 +5676,7 @@
             </p:txBody>
           </p:sp>
         </mc:Choice>
-        <mc:Fallback>
+        <mc:Fallback xmlns="">
           <p:sp>
             <p:nvSpPr>
               <p:cNvPr id="3" name="Chỗ dành sẵn cho Nội dung 2">
@@ -6094,8 +6070,8 @@
           </a:p>
         </p:txBody>
       </p:sp>
-      <mc:AlternateContent xmlns:mc="http://schemas.openxmlformats.org/markup-compatibility/2006">
-        <mc:Choice xmlns:a14="http://schemas.microsoft.com/office/drawing/2010/main" Requires="a14">
+      <mc:AlternateContent xmlns:mc="http://schemas.openxmlformats.org/markup-compatibility/2006" xmlns:a14="http://schemas.microsoft.com/office/drawing/2010/main">
+        <mc:Choice Requires="a14">
           <p:sp>
             <p:nvSpPr>
               <p:cNvPr id="3" name="Chỗ dành sẵn cho Nội dung 2">
@@ -6502,7 +6478,7 @@
             </p:txBody>
           </p:sp>
         </mc:Choice>
-        <mc:Fallback>
+        <mc:Fallback xmlns="">
           <p:sp>
             <p:nvSpPr>
               <p:cNvPr id="3" name="Chỗ dành sẵn cho Nội dung 2">
@@ -6995,32 +6971,49 @@
                     <a:latin typeface="Cambria Math" panose="02040503050406030204" pitchFamily="18" charset="0"/>
                     <a:ea typeface="Cambria Math" panose="02040503050406030204" pitchFamily="18" charset="0"/>
                   </a:rPr>
-                  <a:t>is radius of inscribed ball, so objective function is maximize</a:t>
-                </a:r>
-                <a:r>
-                  <a:rPr lang="en-US" sz="2400" dirty="0"/>
-                  <a:t> </a:t>
+                  <a:t>is radius and </a:t>
                 </a:r>
                 <a14:m>
                   <m:oMath xmlns:m="http://schemas.openxmlformats.org/officeDocument/2006/math">
-                    <m:r>
-                      <a:rPr lang="en-US" sz="2400" i="1">
-                        <a:latin typeface="Cambria Math" panose="02040503050406030204" pitchFamily="18" charset="0"/>
-                        <a:ea typeface="Cambria Math" panose="02040503050406030204" pitchFamily="18" charset="0"/>
-                      </a:rPr>
-                      <m:t>𝑟</m:t>
-                    </m:r>
+                    <m:sSub>
+                      <m:sSubPr>
+                        <m:ctrlPr>
+                          <a:rPr lang="en-US" sz="2400" i="1">
+                            <a:latin typeface="Cambria Math" panose="02040503050406030204" pitchFamily="18" charset="0"/>
+                          </a:rPr>
+                        </m:ctrlPr>
+                      </m:sSubPr>
+                      <m:e>
+                        <m:r>
+                          <a:rPr lang="en-US" sz="2400" i="1">
+                            <a:latin typeface="Cambria Math" panose="02040503050406030204" pitchFamily="18" charset="0"/>
+                          </a:rPr>
+                          <m:t>𝑥</m:t>
+                        </m:r>
+                      </m:e>
+                      <m:sub>
+                        <m:r>
+                          <a:rPr lang="en-US" sz="2400" i="1">
+                            <a:latin typeface="Cambria Math" panose="02040503050406030204" pitchFamily="18" charset="0"/>
+                          </a:rPr>
+                          <m:t>𝑐</m:t>
+                        </m:r>
+                      </m:sub>
+                    </m:sSub>
                   </m:oMath>
                 </a14:m>
-                <a:endParaRPr lang="en-US" sz="2400" i="1" dirty="0">
-                  <a:latin typeface="Cambria Math" panose="02040503050406030204" pitchFamily="18" charset="0"/>
-                  <a:ea typeface="Cambria Math" panose="02040503050406030204" pitchFamily="18" charset="0"/>
-                </a:endParaRPr>
+                <a:r>
+                  <a:rPr lang="en-US" sz="2400" dirty="0">
+                    <a:latin typeface="Cambria Math" panose="02040503050406030204" pitchFamily="18" charset="0"/>
+                    <a:ea typeface="Cambria Math" panose="02040503050406030204" pitchFamily="18" charset="0"/>
+                  </a:rPr>
+                  <a:t> is center of inscribed ball</a:t>
+                </a:r>
               </a:p>
               <a:p>
                 <a:pPr marL="0" indent="0">
                   <a:lnSpc>
-                    <a:spcPct val="200000"/>
+                    <a:spcPct val="110000"/>
                   </a:lnSpc>
                   <a:spcBef>
                     <a:spcPts val="1200"/>
@@ -7030,6 +7023,31 @@
                   </a:spcAft>
                   <a:buNone/>
                 </a:pPr>
+                <a:endParaRPr lang="en-US" sz="2400" dirty="0">
+                  <a:latin typeface="Cambria Math" panose="02040503050406030204" pitchFamily="18" charset="0"/>
+                  <a:ea typeface="Cambria Math" panose="02040503050406030204" pitchFamily="18" charset="0"/>
+                </a:endParaRPr>
+              </a:p>
+              <a:p>
+                <a:pPr marL="0" indent="0">
+                  <a:lnSpc>
+                    <a:spcPct val="110000"/>
+                  </a:lnSpc>
+                  <a:spcBef>
+                    <a:spcPts val="1200"/>
+                  </a:spcBef>
+                  <a:spcAft>
+                    <a:spcPts val="1200"/>
+                  </a:spcAft>
+                  <a:buNone/>
+                </a:pPr>
+                <a:r>
+                  <a:rPr lang="en-US" sz="2400" dirty="0">
+                    <a:latin typeface="Cambria Math" panose="02040503050406030204" pitchFamily="18" charset="0"/>
+                    <a:ea typeface="Cambria Math" panose="02040503050406030204" pitchFamily="18" charset="0"/>
+                  </a:rPr>
+                  <a:t> </a:t>
+                </a:r>
                 <a14:m>
                   <m:oMath xmlns:m="http://schemas.openxmlformats.org/officeDocument/2006/math">
                     <m:sSubSup>
@@ -7595,7 +7613,7 @@
               <a:blipFill>
                 <a:blip r:embed="rId2"/>
                 <a:stretch>
-                  <a:fillRect t="-1257"/>
+                  <a:fillRect l="-966" t="-1257"/>
                 </a:stretch>
               </a:blipFill>
             </p:spPr>
@@ -8150,21 +8168,6 @@
                         </a:rPr>
                         <m:t>, </m:t>
                       </m:r>
-                      <m:r>
-                        <m:rPr>
-                          <m:sty m:val="p"/>
-                        </m:rPr>
-                        <a:rPr lang="en-US" sz="2400">
-                          <a:latin typeface="Cambria Math" panose="02040503050406030204" pitchFamily="18" charset="0"/>
-                        </a:rPr>
-                        <m:t>so</m:t>
-                      </m:r>
-                      <m:r>
-                        <a:rPr lang="en-US" sz="2400">
-                          <a:latin typeface="Cambria Math" panose="02040503050406030204" pitchFamily="18" charset="0"/>
-                        </a:rPr>
-                        <m:t> </m:t>
-                      </m:r>
                       <m:sSubSup>
                         <m:sSubSupPr>
                           <m:ctrlPr>
@@ -8253,63 +8256,6 @@
                         <a:rPr lang="en-US" sz="2400">
                           <a:latin typeface="Cambria Math" panose="02040503050406030204" pitchFamily="18" charset="0"/>
                         </a:rPr>
-                        <m:t> </m:t>
-                      </m:r>
-                      <m:r>
-                        <m:rPr>
-                          <m:sty m:val="p"/>
-                        </m:rPr>
-                        <a:rPr lang="en-US" sz="2400">
-                          <a:latin typeface="Cambria Math" panose="02040503050406030204" pitchFamily="18" charset="0"/>
-                        </a:rPr>
-                        <m:t>of</m:t>
-                      </m:r>
-                      <m:r>
-                        <a:rPr lang="en-US" sz="2400">
-                          <a:latin typeface="Cambria Math" panose="02040503050406030204" pitchFamily="18" charset="0"/>
-                        </a:rPr>
-                        <m:t> </m:t>
-                      </m:r>
-                      <m:r>
-                        <m:rPr>
-                          <m:sty m:val="p"/>
-                        </m:rPr>
-                        <a:rPr lang="en-US" sz="2400">
-                          <a:latin typeface="Cambria Math" panose="02040503050406030204" pitchFamily="18" charset="0"/>
-                        </a:rPr>
-                        <m:t>these</m:t>
-                      </m:r>
-                      <m:r>
-                        <a:rPr lang="en-US" sz="2400">
-                          <a:latin typeface="Cambria Math" panose="02040503050406030204" pitchFamily="18" charset="0"/>
-                        </a:rPr>
-                        <m:t> </m:t>
-                      </m:r>
-                      <m:r>
-                        <a:rPr lang="en-US" sz="2400">
-                          <a:latin typeface="Cambria Math" panose="02040503050406030204" pitchFamily="18" charset="0"/>
-                        </a:rPr>
-                        <m:t>2</m:t>
-                      </m:r>
-                      <m:r>
-                        <a:rPr lang="en-US" sz="2400">
-                          <a:latin typeface="Cambria Math" panose="02040503050406030204" pitchFamily="18" charset="0"/>
-                        </a:rPr>
-                        <m:t> </m:t>
-                      </m:r>
-                      <m:r>
-                        <m:rPr>
-                          <m:sty m:val="p"/>
-                        </m:rPr>
-                        <a:rPr lang="en-US" sz="2400">
-                          <a:latin typeface="Cambria Math" panose="02040503050406030204" pitchFamily="18" charset="0"/>
-                        </a:rPr>
-                        <m:t>vectors</m:t>
-                      </m:r>
-                      <m:r>
-                        <a:rPr lang="en-US" sz="2400">
-                          <a:latin typeface="Cambria Math" panose="02040503050406030204" pitchFamily="18" charset="0"/>
-                        </a:rPr>
                         <m:t>.</m:t>
                       </m:r>
                       <m:r>
@@ -8382,21 +8328,6 @@
                           <a:latin typeface="Cambria Math" panose="02040503050406030204" pitchFamily="18" charset="0"/>
                         </a:rPr>
                         <m:t>maximum</m:t>
-                      </m:r>
-                      <m:r>
-                        <a:rPr lang="en-US" sz="2400">
-                          <a:latin typeface="Cambria Math" panose="02040503050406030204" pitchFamily="18" charset="0"/>
-                        </a:rPr>
-                        <m:t> </m:t>
-                      </m:r>
-                      <m:r>
-                        <m:rPr>
-                          <m:sty m:val="p"/>
-                        </m:rPr>
-                        <a:rPr lang="en-US" sz="2400">
-                          <a:latin typeface="Cambria Math" panose="02040503050406030204" pitchFamily="18" charset="0"/>
-                        </a:rPr>
-                        <m:t>value</m:t>
                       </m:r>
                       <m:r>
                         <a:rPr lang="en-US" sz="2400">
@@ -9623,8 +9554,8 @@
           </a:p>
         </p:txBody>
       </p:sp>
-      <mc:AlternateContent xmlns:mc="http://schemas.openxmlformats.org/markup-compatibility/2006">
-        <mc:Choice xmlns:a14="http://schemas.microsoft.com/office/drawing/2010/main" Requires="a14">
+      <mc:AlternateContent xmlns:mc="http://schemas.openxmlformats.org/markup-compatibility/2006" xmlns:a14="http://schemas.microsoft.com/office/drawing/2010/main">
+        <mc:Choice Requires="a14">
           <p:sp>
             <p:nvSpPr>
               <p:cNvPr id="3" name="Chỗ dành sẵn cho Nội dung 2">
@@ -10750,7 +10681,7 @@
             </p:txBody>
           </p:sp>
         </mc:Choice>
-        <mc:Fallback>
+        <mc:Fallback xmlns="">
           <p:sp>
             <p:nvSpPr>
               <p:cNvPr id="3" name="Chỗ dành sẵn cho Nội dung 2">
@@ -11144,8 +11075,8 @@
           </a:p>
         </p:txBody>
       </p:sp>
-      <mc:AlternateContent xmlns:mc="http://schemas.openxmlformats.org/markup-compatibility/2006">
-        <mc:Choice xmlns:a14="http://schemas.microsoft.com/office/drawing/2010/main" Requires="a14">
+      <mc:AlternateContent xmlns:mc="http://schemas.openxmlformats.org/markup-compatibility/2006" xmlns:a14="http://schemas.microsoft.com/office/drawing/2010/main">
+        <mc:Choice Requires="a14">
           <p:sp>
             <p:nvSpPr>
               <p:cNvPr id="3" name="Chỗ dành sẵn cho Nội dung 2">
@@ -11662,7 +11593,7 @@
             </p:txBody>
           </p:sp>
         </mc:Choice>
-        <mc:Fallback>
+        <mc:Fallback xmlns="">
           <p:sp>
             <p:nvSpPr>
               <p:cNvPr id="3" name="Chỗ dành sẵn cho Nội dung 2">
@@ -12255,20 +12186,115 @@
                             </m:ctrlPr>
                           </m:mPr>
                           <m:mr>
-                            <m:e/>
-                            <m:e/>
+                            <m:e>
+                              <m:r>
+                                <m:rPr>
+                                  <m:brk m:alnAt="7"/>
+                                </m:rPr>
+                                <a:rPr lang="en-US" sz="2400" b="0" i="1" smtClean="0">
+                                  <a:latin typeface="Cambria Math" panose="02040503050406030204" pitchFamily="18" charset="0"/>
+                                  <a:ea typeface="Cambria Math" panose="02040503050406030204" pitchFamily="18" charset="0"/>
+                                </a:rPr>
+                                <m:t>2</m:t>
+                              </m:r>
+                            </m:e>
+                            <m:e>
+                              <m:r>
+                                <a:rPr lang="en-US" sz="2400" b="0" i="1" smtClean="0">
+                                  <a:latin typeface="Cambria Math" panose="02040503050406030204" pitchFamily="18" charset="0"/>
+                                  <a:ea typeface="Cambria Math" panose="02040503050406030204" pitchFamily="18" charset="0"/>
+                                </a:rPr>
+                                <m:t>1</m:t>
+                              </m:r>
+                            </m:e>
                           </m:mr>
                           <m:mr>
-                            <m:e/>
-                            <m:e/>
+                            <m:e>
+                              <m:r>
+                                <a:rPr lang="en-US" sz="2400" b="0" i="1" smtClean="0">
+                                  <a:latin typeface="Cambria Math" panose="02040503050406030204" pitchFamily="18" charset="0"/>
+                                  <a:ea typeface="Cambria Math" panose="02040503050406030204" pitchFamily="18" charset="0"/>
+                                </a:rPr>
+                                <m:t>2</m:t>
+                              </m:r>
+                            </m:e>
+                            <m:e>
+                              <m:r>
+                                <a:rPr lang="en-US" sz="2400" b="0" i="1" smtClean="0">
+                                  <a:latin typeface="Cambria Math" panose="02040503050406030204" pitchFamily="18" charset="0"/>
+                                  <a:ea typeface="Cambria Math" panose="02040503050406030204" pitchFamily="18" charset="0"/>
+                                </a:rPr>
+                                <m:t>−</m:t>
+                              </m:r>
+                              <m:r>
+                                <a:rPr lang="en-US" sz="2400" b="0" i="1" smtClean="0">
+                                  <a:latin typeface="Cambria Math" panose="02040503050406030204" pitchFamily="18" charset="0"/>
+                                  <a:ea typeface="Cambria Math" panose="02040503050406030204" pitchFamily="18" charset="0"/>
+                                </a:rPr>
+                                <m:t>1</m:t>
+                              </m:r>
+                            </m:e>
                           </m:mr>
                           <m:mr>
-                            <m:e/>
-                            <m:e/>
+                            <m:e>
+                              <m:r>
+                                <a:rPr lang="en-US" sz="2400" b="0" i="1" smtClean="0">
+                                  <a:latin typeface="Cambria Math" panose="02040503050406030204" pitchFamily="18" charset="0"/>
+                                  <a:ea typeface="Cambria Math" panose="02040503050406030204" pitchFamily="18" charset="0"/>
+                                </a:rPr>
+                                <m:t>−</m:t>
+                              </m:r>
+                              <m:r>
+                                <a:rPr lang="en-US" sz="2400" b="0" i="1" smtClean="0">
+                                  <a:latin typeface="Cambria Math" panose="02040503050406030204" pitchFamily="18" charset="0"/>
+                                  <a:ea typeface="Cambria Math" panose="02040503050406030204" pitchFamily="18" charset="0"/>
+                                </a:rPr>
+                                <m:t>1</m:t>
+                              </m:r>
+                            </m:e>
+                            <m:e>
+                              <m:r>
+                                <a:rPr lang="en-US" sz="2400" b="0" i="1" smtClean="0">
+                                  <a:latin typeface="Cambria Math" panose="02040503050406030204" pitchFamily="18" charset="0"/>
+                                  <a:ea typeface="Cambria Math" panose="02040503050406030204" pitchFamily="18" charset="0"/>
+                                </a:rPr>
+                                <m:t>2</m:t>
+                              </m:r>
+                            </m:e>
                           </m:mr>
                           <m:mr>
-                            <m:e/>
-                            <m:e/>
+                            <m:e>
+                              <m:r>
+                                <a:rPr lang="en-US" sz="2400" b="0" i="1" smtClean="0">
+                                  <a:latin typeface="Cambria Math" panose="02040503050406030204" pitchFamily="18" charset="0"/>
+                                  <a:ea typeface="Cambria Math" panose="02040503050406030204" pitchFamily="18" charset="0"/>
+                                </a:rPr>
+                                <m:t>−</m:t>
+                              </m:r>
+                              <m:r>
+                                <a:rPr lang="en-US" sz="2400" b="0" i="1" smtClean="0">
+                                  <a:latin typeface="Cambria Math" panose="02040503050406030204" pitchFamily="18" charset="0"/>
+                                  <a:ea typeface="Cambria Math" panose="02040503050406030204" pitchFamily="18" charset="0"/>
+                                </a:rPr>
+                                <m:t>1</m:t>
+                              </m:r>
+                            </m:e>
+                            <m:e>
+                              <m:r>
+                                <a:rPr lang="en-US" sz="2400" b="0" i="1" smtClean="0">
+                                  <a:latin typeface="Cambria Math" panose="02040503050406030204" pitchFamily="18" charset="0"/>
+                                  <a:ea typeface="Cambria Math" panose="02040503050406030204" pitchFamily="18" charset="0"/>
+                                </a:rPr>
+                                <m:t>−</m:t>
+                              </m:r>
+                              <m:r>
+                                <a:rPr lang="en-US" sz="2400" b="0" i="1" smtClean="0">
+                                  <a:latin typeface="Cambria Math" panose="02040503050406030204" pitchFamily="18" charset="0"/>
+                                  <a:ea typeface="Cambria Math" panose="02040503050406030204" pitchFamily="18" charset="0"/>
+                                </a:rPr>
+                                <m:t>2</m:t>
+                              </m:r>
+                            </m:e>
                           </m:mr>
                         </m:m>
                       </m:e>
@@ -12338,16 +12364,51 @@
                             </m:ctrlPr>
                           </m:mPr>
                           <m:mr>
-                            <m:e/>
+                            <m:e>
+                              <m:r>
+                                <m:rPr>
+                                  <m:brk m:alnAt="7"/>
+                                </m:rPr>
+                                <a:rPr lang="en-US" sz="2400" b="0" i="1" smtClean="0">
+                                  <a:latin typeface="Cambria Math" panose="02040503050406030204" pitchFamily="18" charset="0"/>
+                                  <a:ea typeface="Cambria Math" panose="02040503050406030204" pitchFamily="18" charset="0"/>
+                                </a:rPr>
+                                <m:t>1</m:t>
+                              </m:r>
+                            </m:e>
                           </m:mr>
                           <m:mr>
-                            <m:e/>
+                            <m:e>
+                              <m:r>
+                                <a:rPr lang="en-US" sz="2400" b="0" i="1" smtClean="0">
+                                  <a:latin typeface="Cambria Math" panose="02040503050406030204" pitchFamily="18" charset="0"/>
+                                  <a:ea typeface="Cambria Math" panose="02040503050406030204" pitchFamily="18" charset="0"/>
+                                </a:rPr>
+                                <m:t>1</m:t>
+                              </m:r>
+                            </m:e>
                           </m:mr>
                           <m:mr>
-                            <m:e/>
+                            <m:e>
+                              <m:r>
+                                <a:rPr lang="en-US" sz="2400" b="0" i="1" smtClean="0">
+                                  <a:latin typeface="Cambria Math" panose="02040503050406030204" pitchFamily="18" charset="0"/>
+                                  <a:ea typeface="Cambria Math" panose="02040503050406030204" pitchFamily="18" charset="0"/>
+                                </a:rPr>
+                                <m:t>1</m:t>
+                              </m:r>
+                            </m:e>
                           </m:mr>
                           <m:mr>
-                            <m:e/>
+                            <m:e>
+                              <m:r>
+                                <a:rPr lang="en-US" sz="2400" b="0" i="1" smtClean="0">
+                                  <a:latin typeface="Cambria Math" panose="02040503050406030204" pitchFamily="18" charset="0"/>
+                                  <a:ea typeface="Cambria Math" panose="02040503050406030204" pitchFamily="18" charset="0"/>
+                                </a:rPr>
+                                <m:t>1</m:t>
+                              </m:r>
+                            </m:e>
                           </m:mr>
                         </m:m>
                       </m:e>
@@ -12806,7 +12867,7 @@
                     <a:latin typeface="Cambria Math" panose="02040503050406030204" pitchFamily="18" charset="0"/>
                     <a:ea typeface="Cambria Math" panose="02040503050406030204" pitchFamily="18" charset="0"/>
                   </a:rPr>
-                  <a:t>Result</a:t>
+                  <a:t>Result using pulp</a:t>
                 </a:r>
               </a:p>
               <a:p>
@@ -12845,7 +12906,7 @@
                     <a:latin typeface="Cambria Math" panose="02040503050406030204" pitchFamily="18" charset="0"/>
                     <a:ea typeface="Cambria Math" panose="02040503050406030204" pitchFamily="18" charset="0"/>
                   </a:rPr>
-                  <a:t> = </a:t>
+                  <a:t> = 0.44721</a:t>
                 </a:r>
               </a:p>
               <a:p>
@@ -12910,7 +12971,35 @@
                         <a:latin typeface="Cambria Math" panose="02040503050406030204" pitchFamily="18" charset="0"/>
                         <a:ea typeface="Cambria Math" panose="02040503050406030204" pitchFamily="18" charset="0"/>
                       </a:rPr>
-                      <m:t>=()</m:t>
+                      <m:t>=(</m:t>
+                    </m:r>
+                    <m:r>
+                      <a:rPr lang="en-US" sz="2400" b="0" i="1" smtClean="0">
+                        <a:latin typeface="Cambria Math" panose="02040503050406030204" pitchFamily="18" charset="0"/>
+                        <a:ea typeface="Cambria Math" panose="02040503050406030204" pitchFamily="18" charset="0"/>
+                      </a:rPr>
+                      <m:t>0</m:t>
+                    </m:r>
+                    <m:r>
+                      <a:rPr lang="en-US" sz="2400" b="0" i="1" smtClean="0">
+                        <a:latin typeface="Cambria Math" panose="02040503050406030204" pitchFamily="18" charset="0"/>
+                        <a:ea typeface="Cambria Math" panose="02040503050406030204" pitchFamily="18" charset="0"/>
+                      </a:rPr>
+                      <m:t>, </m:t>
+                    </m:r>
+                    <m:r>
+                      <a:rPr lang="en-US" sz="2400" b="0" i="1" smtClean="0">
+                        <a:latin typeface="Cambria Math" panose="02040503050406030204" pitchFamily="18" charset="0"/>
+                        <a:ea typeface="Cambria Math" panose="02040503050406030204" pitchFamily="18" charset="0"/>
+                      </a:rPr>
+                      <m:t>0</m:t>
+                    </m:r>
+                    <m:r>
+                      <a:rPr lang="en-US" sz="2400" b="0" i="1" smtClean="0">
+                        <a:latin typeface="Cambria Math" panose="02040503050406030204" pitchFamily="18" charset="0"/>
+                        <a:ea typeface="Cambria Math" panose="02040503050406030204" pitchFamily="18" charset="0"/>
+                      </a:rPr>
+                      <m:t>)</m:t>
                     </m:r>
                   </m:oMath>
                 </a14:m>
@@ -12966,6 +13055,42 @@
           </p:sp>
         </mc:Fallback>
       </mc:AlternateContent>
+      <p:pic>
+        <p:nvPicPr>
+          <p:cNvPr id="7" name="Hình ảnh 6" descr="Ảnh có chứa văn bản&#10;&#10;Mô tả được tạo tự động">
+            <a:extLst>
+              <a:ext uri="{FF2B5EF4-FFF2-40B4-BE49-F238E27FC236}">
+                <a16:creationId xmlns:a16="http://schemas.microsoft.com/office/drawing/2014/main" id="{F1D1374E-D4E0-48D8-B7B7-70821D62DA78}"/>
+              </a:ext>
+            </a:extLst>
+          </p:cNvPr>
+          <p:cNvPicPr>
+            <a:picLocks noChangeAspect="1"/>
+          </p:cNvPicPr>
+          <p:nvPr/>
+        </p:nvPicPr>
+        <p:blipFill>
+          <a:blip r:embed="rId3">
+            <a:extLst>
+              <a:ext uri="{28A0092B-C50C-407E-A947-70E740481C1C}">
+                <a14:useLocalDpi xmlns:a14="http://schemas.microsoft.com/office/drawing/2010/main" val="0"/>
+              </a:ext>
+            </a:extLst>
+          </a:blip>
+          <a:stretch>
+            <a:fillRect/>
+          </a:stretch>
+        </p:blipFill>
+        <p:spPr>
+          <a:xfrm>
+            <a:off x="7182678" y="2238232"/>
+            <a:ext cx="3485322" cy="3561836"/>
+          </a:xfrm>
+          <a:prstGeom prst="rect">
+            <a:avLst/>
+          </a:prstGeom>
+        </p:spPr>
+      </p:pic>
     </p:spTree>
     <p:extLst>
       <p:ext uri="{BB962C8B-B14F-4D97-AF65-F5344CB8AC3E}">

--- a/Optimization.pptx
+++ b/Optimization.pptx
@@ -6274,7 +6274,21 @@
                         <a:latin typeface="Cambria Math" panose="02040503050406030204" pitchFamily="18" charset="0"/>
                         <a:ea typeface="Cambria Math" panose="02040503050406030204" pitchFamily="18" charset="0"/>
                       </a:rPr>
-                      <m:t>=1 …</m:t>
+                      <m:t>=</m:t>
+                    </m:r>
+                    <m:r>
+                      <a:rPr lang="en-US" sz="2400" i="1">
+                        <a:latin typeface="Cambria Math" panose="02040503050406030204" pitchFamily="18" charset="0"/>
+                        <a:ea typeface="Cambria Math" panose="02040503050406030204" pitchFamily="18" charset="0"/>
+                      </a:rPr>
+                      <m:t>1</m:t>
+                    </m:r>
+                    <m:r>
+                      <a:rPr lang="en-US" sz="2400" i="1">
+                        <a:latin typeface="Cambria Math" panose="02040503050406030204" pitchFamily="18" charset="0"/>
+                        <a:ea typeface="Cambria Math" panose="02040503050406030204" pitchFamily="18" charset="0"/>
+                      </a:rPr>
+                      <m:t> …</m:t>
                     </m:r>
                     <m:r>
                       <a:rPr lang="en-US" sz="2400" i="1">
@@ -7007,8 +7021,18 @@
                     <a:latin typeface="Cambria Math" panose="02040503050406030204" pitchFamily="18" charset="0"/>
                     <a:ea typeface="Cambria Math" panose="02040503050406030204" pitchFamily="18" charset="0"/>
                   </a:rPr>
-                  <a:t> is center of inscribed ball</a:t>
+                  <a:t> is center of inscribed ball inside polyhedron </a:t>
                 </a:r>
+                <a:r>
+                  <a:rPr lang="en-US" sz="2400" dirty="0">
+                    <a:latin typeface="iCiel Rukola" panose="02000506050000020003" pitchFamily="50" charset="0"/>
+                  </a:rPr>
+                  <a:t>P </a:t>
+                </a:r>
+                <a:endParaRPr lang="en-US" sz="2400" dirty="0">
+                  <a:latin typeface="Cambria Math" panose="02040503050406030204" pitchFamily="18" charset="0"/>
+                  <a:ea typeface="Cambria Math" panose="02040503050406030204" pitchFamily="18" charset="0"/>
+                </a:endParaRPr>
               </a:p>
               <a:p>
                 <a:pPr marL="0" indent="0">
@@ -7218,11 +7242,11 @@
                           <m:t>⁡(</m:t>
                         </m:r>
                         <m:r>
-                          <a:rPr lang="en-US" sz="2400" i="1">
+                          <a:rPr lang="en-US" sz="2400" b="0" i="1" smtClean="0">
                             <a:latin typeface="Cambria Math" panose="02040503050406030204" pitchFamily="18" charset="0"/>
                             <a:ea typeface="Cambria Math" panose="02040503050406030204" pitchFamily="18" charset="0"/>
                           </a:rPr>
-                          <m:t>𝐴</m:t>
+                          <m:t>𝑎</m:t>
                         </m:r>
                       </m:e>
                       <m:sub>
@@ -7423,10 +7447,10 @@
                       </m:sSubSupPr>
                       <m:e>
                         <m:r>
-                          <a:rPr lang="en-US" sz="2400" i="1">
+                          <a:rPr lang="en-US" sz="2400" b="0" i="1" smtClean="0">
                             <a:latin typeface="Cambria Math" panose="02040503050406030204" pitchFamily="18" charset="0"/>
                           </a:rPr>
-                          <m:t>𝐴</m:t>
+                          <m:t>𝑎</m:t>
                         </m:r>
                       </m:e>
                       <m:sub>
@@ -7513,10 +7537,10 @@
                               </m:sSubSupPr>
                               <m:e>
                                 <m:r>
-                                  <a:rPr lang="en-US" sz="2400" i="1">
+                                  <a:rPr lang="en-US" sz="2400" b="0" i="1" smtClean="0">
                                     <a:latin typeface="Cambria Math" panose="02040503050406030204" pitchFamily="18" charset="0"/>
                                   </a:rPr>
-                                  <m:t>𝐴</m:t>
+                                  <m:t>𝑎</m:t>
                                 </m:r>
                               </m:e>
                               <m:sub>
@@ -7613,7 +7637,7 @@
               <a:blipFill>
                 <a:blip r:embed="rId2"/>
                 <a:stretch>
-                  <a:fillRect l="-966" t="-1257"/>
+                  <a:fillRect l="-966" t="-2334"/>
                 </a:stretch>
               </a:blipFill>
             </p:spPr>
@@ -8177,6 +8201,21 @@
                           </m:ctrlPr>
                         </m:sSubSupPr>
                         <m:e>
+                          <m:r>
+                            <m:rPr>
+                              <m:sty m:val="p"/>
+                            </m:rPr>
+                            <a:rPr lang="en-US" sz="2400" b="0" i="0" smtClean="0">
+                              <a:latin typeface="Cambria Math" panose="02040503050406030204" pitchFamily="18" charset="0"/>
+                            </a:rPr>
+                            <m:t>so</m:t>
+                          </m:r>
+                          <m:r>
+                            <a:rPr lang="en-US" sz="2400" b="0" i="1" smtClean="0">
+                              <a:latin typeface="Cambria Math" panose="02040503050406030204" pitchFamily="18" charset="0"/>
+                            </a:rPr>
+                            <m:t> </m:t>
+                          </m:r>
                           <m:r>
                             <a:rPr lang="en-US" sz="2400" b="0" i="1" smtClean="0">
                               <a:latin typeface="Cambria Math" panose="02040503050406030204" pitchFamily="18" charset="0"/>
@@ -11987,8 +12026,8 @@
           </a:p>
         </p:txBody>
       </p:sp>
-      <mc:AlternateContent xmlns:mc="http://schemas.openxmlformats.org/markup-compatibility/2006">
-        <mc:Choice xmlns:a14="http://schemas.microsoft.com/office/drawing/2010/main" Requires="a14">
+      <mc:AlternateContent xmlns:mc="http://schemas.openxmlformats.org/markup-compatibility/2006" xmlns:a14="http://schemas.microsoft.com/office/drawing/2010/main">
+        <mc:Choice Requires="a14">
           <p:sp>
             <p:nvSpPr>
               <p:cNvPr id="3" name="Chỗ dành sẵn cho Nội dung 2">
@@ -12126,14 +12165,7 @@
                         <a:latin typeface="Cambria Math" panose="02040503050406030204" pitchFamily="18" charset="0"/>
                         <a:ea typeface="Cambria Math" panose="02040503050406030204" pitchFamily="18" charset="0"/>
                       </a:rPr>
-                      <m:t>𝑤𝑖𝑡</m:t>
-                    </m:r>
-                    <m:r>
-                      <a:rPr lang="en-US" sz="2400" i="1">
-                        <a:latin typeface="Cambria Math" panose="02040503050406030204" pitchFamily="18" charset="0"/>
-                        <a:ea typeface="Cambria Math" panose="02040503050406030204" pitchFamily="18" charset="0"/>
-                      </a:rPr>
-                      <m:t>h</m:t>
+                      <m:t>𝑤𝑖𝑡h</m:t>
                     </m:r>
                     <m:r>
                       <a:rPr lang="en-US" sz="2400" i="1">
@@ -12224,14 +12256,7 @@
                                   <a:latin typeface="Cambria Math" panose="02040503050406030204" pitchFamily="18" charset="0"/>
                                   <a:ea typeface="Cambria Math" panose="02040503050406030204" pitchFamily="18" charset="0"/>
                                 </a:rPr>
-                                <m:t>−</m:t>
-                              </m:r>
-                              <m:r>
-                                <a:rPr lang="en-US" sz="2400" b="0" i="1" smtClean="0">
-                                  <a:latin typeface="Cambria Math" panose="02040503050406030204" pitchFamily="18" charset="0"/>
-                                  <a:ea typeface="Cambria Math" panose="02040503050406030204" pitchFamily="18" charset="0"/>
-                                </a:rPr>
-                                <m:t>1</m:t>
+                                <m:t>−1</m:t>
                               </m:r>
                             </m:e>
                           </m:mr>
@@ -12242,14 +12267,7 @@
                                   <a:latin typeface="Cambria Math" panose="02040503050406030204" pitchFamily="18" charset="0"/>
                                   <a:ea typeface="Cambria Math" panose="02040503050406030204" pitchFamily="18" charset="0"/>
                                 </a:rPr>
-                                <m:t>−</m:t>
-                              </m:r>
-                              <m:r>
-                                <a:rPr lang="en-US" sz="2400" b="0" i="1" smtClean="0">
-                                  <a:latin typeface="Cambria Math" panose="02040503050406030204" pitchFamily="18" charset="0"/>
-                                  <a:ea typeface="Cambria Math" panose="02040503050406030204" pitchFamily="18" charset="0"/>
-                                </a:rPr>
-                                <m:t>1</m:t>
+                                <m:t>−1</m:t>
                               </m:r>
                             </m:e>
                             <m:e>
@@ -12269,14 +12287,7 @@
                                   <a:latin typeface="Cambria Math" panose="02040503050406030204" pitchFamily="18" charset="0"/>
                                   <a:ea typeface="Cambria Math" panose="02040503050406030204" pitchFamily="18" charset="0"/>
                                 </a:rPr>
-                                <m:t>−</m:t>
-                              </m:r>
-                              <m:r>
-                                <a:rPr lang="en-US" sz="2400" b="0" i="1" smtClean="0">
-                                  <a:latin typeface="Cambria Math" panose="02040503050406030204" pitchFamily="18" charset="0"/>
-                                  <a:ea typeface="Cambria Math" panose="02040503050406030204" pitchFamily="18" charset="0"/>
-                                </a:rPr>
-                                <m:t>1</m:t>
+                                <m:t>−1</m:t>
                               </m:r>
                             </m:e>
                             <m:e>
@@ -12285,14 +12296,7 @@
                                   <a:latin typeface="Cambria Math" panose="02040503050406030204" pitchFamily="18" charset="0"/>
                                   <a:ea typeface="Cambria Math" panose="02040503050406030204" pitchFamily="18" charset="0"/>
                                 </a:rPr>
-                                <m:t>−</m:t>
-                              </m:r>
-                              <m:r>
-                                <a:rPr lang="en-US" sz="2400" b="0" i="1" smtClean="0">
-                                  <a:latin typeface="Cambria Math" panose="02040503050406030204" pitchFamily="18" charset="0"/>
-                                  <a:ea typeface="Cambria Math" panose="02040503050406030204" pitchFamily="18" charset="0"/>
-                                </a:rPr>
-                                <m:t>2</m:t>
+                                <m:t>−2</m:t>
                               </m:r>
                             </m:e>
                           </m:mr>
@@ -12426,7 +12430,7 @@
             </p:txBody>
           </p:sp>
         </mc:Choice>
-        <mc:Fallback>
+        <mc:Fallback xmlns="">
           <p:sp>
             <p:nvSpPr>
               <p:cNvPr id="3" name="Chỗ dành sẵn cho Nội dung 2">
@@ -12820,8 +12824,8 @@
           </a:p>
         </p:txBody>
       </p:sp>
-      <mc:AlternateContent xmlns:mc="http://schemas.openxmlformats.org/markup-compatibility/2006">
-        <mc:Choice xmlns:a14="http://schemas.microsoft.com/office/drawing/2010/main" Requires="a14">
+      <mc:AlternateContent xmlns:mc="http://schemas.openxmlformats.org/markup-compatibility/2006" xmlns:a14="http://schemas.microsoft.com/office/drawing/2010/main">
+        <mc:Choice Requires="a14">
           <p:sp>
             <p:nvSpPr>
               <p:cNvPr id="3" name="Chỗ dành sẵn cho Nội dung 2">
@@ -12971,35 +12975,7 @@
                         <a:latin typeface="Cambria Math" panose="02040503050406030204" pitchFamily="18" charset="0"/>
                         <a:ea typeface="Cambria Math" panose="02040503050406030204" pitchFamily="18" charset="0"/>
                       </a:rPr>
-                      <m:t>=(</m:t>
-                    </m:r>
-                    <m:r>
-                      <a:rPr lang="en-US" sz="2400" b="0" i="1" smtClean="0">
-                        <a:latin typeface="Cambria Math" panose="02040503050406030204" pitchFamily="18" charset="0"/>
-                        <a:ea typeface="Cambria Math" panose="02040503050406030204" pitchFamily="18" charset="0"/>
-                      </a:rPr>
-                      <m:t>0</m:t>
-                    </m:r>
-                    <m:r>
-                      <a:rPr lang="en-US" sz="2400" b="0" i="1" smtClean="0">
-                        <a:latin typeface="Cambria Math" panose="02040503050406030204" pitchFamily="18" charset="0"/>
-                        <a:ea typeface="Cambria Math" panose="02040503050406030204" pitchFamily="18" charset="0"/>
-                      </a:rPr>
-                      <m:t>, </m:t>
-                    </m:r>
-                    <m:r>
-                      <a:rPr lang="en-US" sz="2400" b="0" i="1" smtClean="0">
-                        <a:latin typeface="Cambria Math" panose="02040503050406030204" pitchFamily="18" charset="0"/>
-                        <a:ea typeface="Cambria Math" panose="02040503050406030204" pitchFamily="18" charset="0"/>
-                      </a:rPr>
-                      <m:t>0</m:t>
-                    </m:r>
-                    <m:r>
-                      <a:rPr lang="en-US" sz="2400" b="0" i="1" smtClean="0">
-                        <a:latin typeface="Cambria Math" panose="02040503050406030204" pitchFamily="18" charset="0"/>
-                        <a:ea typeface="Cambria Math" panose="02040503050406030204" pitchFamily="18" charset="0"/>
-                      </a:rPr>
-                      <m:t>)</m:t>
+                      <m:t>=(0, 0)</m:t>
                     </m:r>
                   </m:oMath>
                 </a14:m>
@@ -13011,7 +12987,7 @@
             </p:txBody>
           </p:sp>
         </mc:Choice>
-        <mc:Fallback>
+        <mc:Fallback xmlns="">
           <p:sp>
             <p:nvSpPr>
               <p:cNvPr id="3" name="Chỗ dành sẵn cho Nội dung 2">
